--- a/Defense Presentation Resources/iLearnCentral.pptx
+++ b/Defense Presentation Resources/iLearnCentral.pptx
@@ -124,6 +124,11 @@
       </a:defRPr>
     </a:lvl9pPr>
   </p:defaultTextStyle>
+  <p:extLst>
+    <p:ext uri="{EFAFB233-063F-42B5-8137-9DF3F51BA10A}">
+      <p15:sldGuideLst xmlns:p15="http://schemas.microsoft.com/office/powerpoint/2012/main"/>
+    </p:ext>
+  </p:extLst>
 </p:presentation>
 </file>
 
@@ -33952,7 +33957,7 @@
                 <a:ea typeface="MS Mincho" panose="02020609040205080304" pitchFamily="49" charset="-128"/>
                 <a:cs typeface="Times New Roman" panose="02020603050405020304" pitchFamily="18" charset="0"/>
               </a:rPr>
-              <a:t>Initially, the team members make the primary manuscript and background researches on learning centers, educators, and job-seekers to lay out the things to do. In every iteration, the team members assigned to work on the obstacles analyze the issues and come up with a possible solution. They consult on resolutions with the other members. At the end of each day, the team members report on their progress.</a:t>
+              <a:t>Initially, the team members make the primary manuscript and background researches on learning centers, educators, and job-seekers to lay out the things to do. In every iteration, the team members assigned to work on the obstacles, analyze the issues and come up with a possible solution. They consult on resolutions with the other members. At the end of each day, the team members report on their progress.</a:t>
             </a:r>
             <a:endParaRPr lang="en-US" sz="1600" dirty="0">
               <a:effectLst/>
